--- a/assets/images/homepage.pptx
+++ b/assets/images/homepage.pptx
@@ -5,8 +5,8 @@
     <p:sldMasterId id="2147483720" r:id="rId1"/>
   </p:sldMasterIdLst>
   <p:sldIdLst>
-    <p:sldId id="329" r:id="rId2"/>
-    <p:sldId id="327" r:id="rId3"/>
+    <p:sldId id="327" r:id="rId2"/>
+    <p:sldId id="330" r:id="rId3"/>
   </p:sldIdLst>
   <p:sldSz cx="12192000" cy="6858000"/>
   <p:notesSz cx="6858000" cy="9144000"/>
@@ -105,6 +105,11 @@
       </a:defRPr>
     </a:lvl9pPr>
   </p:defaultTextStyle>
+  <p:extLst>
+    <p:ext uri="{EFAFB233-063F-42B5-8137-9DF3F51BA10A}">
+      <p15:sldGuideLst xmlns:p15="http://schemas.microsoft.com/office/powerpoint/2012/main"/>
+    </p:ext>
+  </p:extLst>
 </p:presentation>
 </file>
 
@@ -239,7 +244,7 @@
           <a:p>
             <a:fld id="{31311B6D-7A76-BC46-8AE9-756C860BB94A}" type="datetimeFigureOut">
               <a:rPr lang="en-US" smtClean="0"/>
-              <a:t>2/16/24</a:t>
+              <a:t>2/5/25</a:t>
             </a:fld>
             <a:endParaRPr lang="en-US"/>
           </a:p>
@@ -409,7 +414,7 @@
           <a:p>
             <a:fld id="{31311B6D-7A76-BC46-8AE9-756C860BB94A}" type="datetimeFigureOut">
               <a:rPr lang="en-US" smtClean="0"/>
-              <a:t>2/16/24</a:t>
+              <a:t>2/5/25</a:t>
             </a:fld>
             <a:endParaRPr lang="en-US"/>
           </a:p>
@@ -589,7 +594,7 @@
           <a:p>
             <a:fld id="{31311B6D-7A76-BC46-8AE9-756C860BB94A}" type="datetimeFigureOut">
               <a:rPr lang="en-US" smtClean="0"/>
-              <a:t>2/16/24</a:t>
+              <a:t>2/5/25</a:t>
             </a:fld>
             <a:endParaRPr lang="en-US"/>
           </a:p>
@@ -759,7 +764,7 @@
           <a:p>
             <a:fld id="{31311B6D-7A76-BC46-8AE9-756C860BB94A}" type="datetimeFigureOut">
               <a:rPr lang="en-US" smtClean="0"/>
-              <a:t>2/16/24</a:t>
+              <a:t>2/5/25</a:t>
             </a:fld>
             <a:endParaRPr lang="en-US"/>
           </a:p>
@@ -1005,7 +1010,7 @@
           <a:p>
             <a:fld id="{31311B6D-7A76-BC46-8AE9-756C860BB94A}" type="datetimeFigureOut">
               <a:rPr lang="en-US" smtClean="0"/>
-              <a:t>2/16/24</a:t>
+              <a:t>2/5/25</a:t>
             </a:fld>
             <a:endParaRPr lang="en-US"/>
           </a:p>
@@ -1237,7 +1242,7 @@
           <a:p>
             <a:fld id="{31311B6D-7A76-BC46-8AE9-756C860BB94A}" type="datetimeFigureOut">
               <a:rPr lang="en-US" smtClean="0"/>
-              <a:t>2/16/24</a:t>
+              <a:t>2/5/25</a:t>
             </a:fld>
             <a:endParaRPr lang="en-US"/>
           </a:p>
@@ -1604,7 +1609,7 @@
           <a:p>
             <a:fld id="{31311B6D-7A76-BC46-8AE9-756C860BB94A}" type="datetimeFigureOut">
               <a:rPr lang="en-US" smtClean="0"/>
-              <a:t>2/16/24</a:t>
+              <a:t>2/5/25</a:t>
             </a:fld>
             <a:endParaRPr lang="en-US"/>
           </a:p>
@@ -1722,7 +1727,7 @@
           <a:p>
             <a:fld id="{31311B6D-7A76-BC46-8AE9-756C860BB94A}" type="datetimeFigureOut">
               <a:rPr lang="en-US" smtClean="0"/>
-              <a:t>2/16/24</a:t>
+              <a:t>2/5/25</a:t>
             </a:fld>
             <a:endParaRPr lang="en-US"/>
           </a:p>
@@ -1817,7 +1822,7 @@
           <a:p>
             <a:fld id="{31311B6D-7A76-BC46-8AE9-756C860BB94A}" type="datetimeFigureOut">
               <a:rPr lang="en-US" smtClean="0"/>
-              <a:t>2/16/24</a:t>
+              <a:t>2/5/25</a:t>
             </a:fld>
             <a:endParaRPr lang="en-US"/>
           </a:p>
@@ -2094,7 +2099,7 @@
           <a:p>
             <a:fld id="{31311B6D-7A76-BC46-8AE9-756C860BB94A}" type="datetimeFigureOut">
               <a:rPr lang="en-US" smtClean="0"/>
-              <a:t>2/16/24</a:t>
+              <a:t>2/5/25</a:t>
             </a:fld>
             <a:endParaRPr lang="en-US"/>
           </a:p>
@@ -2351,7 +2356,7 @@
           <a:p>
             <a:fld id="{31311B6D-7A76-BC46-8AE9-756C860BB94A}" type="datetimeFigureOut">
               <a:rPr lang="en-US" smtClean="0"/>
-              <a:t>2/16/24</a:t>
+              <a:t>2/5/25</a:t>
             </a:fld>
             <a:endParaRPr lang="en-US"/>
           </a:p>
@@ -2564,7 +2569,7 @@
           <a:p>
             <a:fld id="{31311B6D-7A76-BC46-8AE9-756C860BB94A}" type="datetimeFigureOut">
               <a:rPr lang="en-US" smtClean="0"/>
-              <a:t>2/16/24</a:t>
+              <a:t>2/5/25</a:t>
             </a:fld>
             <a:endParaRPr lang="en-US"/>
           </a:p>
@@ -2953,89 +2958,6 @@
 </file>
 
 <file path=ppt/slides/slide1.xml><?xml version="1.0" encoding="utf-8"?>
-<p:sld xmlns:a="http://schemas.openxmlformats.org/drawingml/2006/main" xmlns:r="http://schemas.openxmlformats.org/officeDocument/2006/relationships" xmlns:p="http://schemas.openxmlformats.org/presentationml/2006/main">
-  <p:cSld>
-    <p:spTree>
-      <p:nvGrpSpPr>
-        <p:cNvPr id="1" name=""/>
-        <p:cNvGrpSpPr/>
-        <p:nvPr/>
-      </p:nvGrpSpPr>
-      <p:grpSpPr>
-        <a:xfrm>
-          <a:off x="0" y="0"/>
-          <a:ext cx="0" cy="0"/>
-          <a:chOff x="0" y="0"/>
-          <a:chExt cx="0" cy="0"/>
-        </a:xfrm>
-      </p:grpSpPr>
-      <p:sp>
-        <p:nvSpPr>
-          <p:cNvPr id="2" name="Title 1">
-            <a:extLst>
-              <a:ext uri="{FF2B5EF4-FFF2-40B4-BE49-F238E27FC236}">
-                <a16:creationId xmlns:a16="http://schemas.microsoft.com/office/drawing/2014/main" id="{CD763659-2075-D933-4E5D-C0C269BE1E9D}"/>
-              </a:ext>
-            </a:extLst>
-          </p:cNvPr>
-          <p:cNvSpPr>
-            <a:spLocks noGrp="1"/>
-          </p:cNvSpPr>
-          <p:nvPr>
-            <p:ph type="ctrTitle"/>
-          </p:nvPr>
-        </p:nvSpPr>
-        <p:spPr/>
-        <p:txBody>
-          <a:bodyPr/>
-          <a:lstStyle/>
-          <a:p>
-            <a:r>
-              <a:rPr lang="en-US" dirty="0"/>
-              <a:t>Presentation</a:t>
-            </a:r>
-          </a:p>
-        </p:txBody>
-      </p:sp>
-      <p:sp>
-        <p:nvSpPr>
-          <p:cNvPr id="3" name="Subtitle 2">
-            <a:extLst>
-              <a:ext uri="{FF2B5EF4-FFF2-40B4-BE49-F238E27FC236}">
-                <a16:creationId xmlns:a16="http://schemas.microsoft.com/office/drawing/2014/main" id="{C68940DA-E434-8157-3686-B85A817E812D}"/>
-              </a:ext>
-            </a:extLst>
-          </p:cNvPr>
-          <p:cNvSpPr>
-            <a:spLocks noGrp="1"/>
-          </p:cNvSpPr>
-          <p:nvPr>
-            <p:ph type="subTitle" idx="1"/>
-          </p:nvPr>
-        </p:nvSpPr>
-        <p:spPr/>
-        <p:txBody>
-          <a:bodyPr/>
-          <a:lstStyle/>
-          <a:p>
-            <a:endParaRPr lang="en-US"/>
-          </a:p>
-        </p:txBody>
-      </p:sp>
-    </p:spTree>
-    <p:extLst>
-      <p:ext uri="{BB962C8B-B14F-4D97-AF65-F5344CB8AC3E}">
-        <p14:creationId xmlns:p14="http://schemas.microsoft.com/office/powerpoint/2010/main" val="3416097727"/>
-      </p:ext>
-    </p:extLst>
-  </p:cSld>
-  <p:clrMapOvr>
-    <a:masterClrMapping/>
-  </p:clrMapOvr>
-</p:sld>
-</file>
-
-<file path=ppt/slides/slide2.xml><?xml version="1.0" encoding="utf-8"?>
 <p:sld xmlns:a="http://schemas.openxmlformats.org/drawingml/2006/main" xmlns:r="http://schemas.openxmlformats.org/officeDocument/2006/relationships" xmlns:p="http://schemas.openxmlformats.org/presentationml/2006/main">
   <p:cSld>
     <p:bg>
@@ -4774,6 +4696,125 @@
 </p:sld>
 </file>
 
+<file path=ppt/slides/slide2.xml><?xml version="1.0" encoding="utf-8"?>
+<p:sld xmlns:a="http://schemas.openxmlformats.org/drawingml/2006/main" xmlns:r="http://schemas.openxmlformats.org/officeDocument/2006/relationships" xmlns:p="http://schemas.openxmlformats.org/presentationml/2006/main">
+  <p:cSld>
+    <p:spTree>
+      <p:nvGrpSpPr>
+        <p:cNvPr id="1" name=""/>
+        <p:cNvGrpSpPr/>
+        <p:nvPr/>
+      </p:nvGrpSpPr>
+      <p:grpSpPr>
+        <a:xfrm>
+          <a:off x="0" y="0"/>
+          <a:ext cx="0" cy="0"/>
+          <a:chOff x="0" y="0"/>
+          <a:chExt cx="0" cy="0"/>
+        </a:xfrm>
+      </p:grpSpPr>
+      <p:pic>
+        <p:nvPicPr>
+          <p:cNvPr id="9" name="Picture 8" descr="A blue gradient illustration of people and a puzzle&#10;&#10;AI-generated content may be incorrect.">
+            <a:extLst>
+              <a:ext uri="{FF2B5EF4-FFF2-40B4-BE49-F238E27FC236}">
+                <a16:creationId xmlns:a16="http://schemas.microsoft.com/office/drawing/2014/main" id="{1292F2D3-1AD8-5197-FACA-A6CEBB236080}"/>
+              </a:ext>
+            </a:extLst>
+          </p:cNvPr>
+          <p:cNvPicPr>
+            <a:picLocks noChangeAspect="1"/>
+          </p:cNvPicPr>
+          <p:nvPr/>
+        </p:nvPicPr>
+        <p:blipFill>
+          <a:blip r:embed="rId2"/>
+          <a:stretch>
+            <a:fillRect/>
+          </a:stretch>
+        </p:blipFill>
+        <p:spPr>
+          <a:xfrm>
+            <a:off x="7651243" y="1408726"/>
+            <a:ext cx="4157050" cy="3776869"/>
+          </a:xfrm>
+          <a:prstGeom prst="rect">
+            <a:avLst/>
+          </a:prstGeom>
+        </p:spPr>
+      </p:pic>
+      <p:sp>
+        <p:nvSpPr>
+          <p:cNvPr id="21" name="Rectangle 20">
+            <a:extLst>
+              <a:ext uri="{FF2B5EF4-FFF2-40B4-BE49-F238E27FC236}">
+                <a16:creationId xmlns:a16="http://schemas.microsoft.com/office/drawing/2014/main" id="{487749F5-745C-7E1E-EB60-449C84492AE1}"/>
+              </a:ext>
+            </a:extLst>
+          </p:cNvPr>
+          <p:cNvSpPr/>
+          <p:nvPr/>
+        </p:nvSpPr>
+        <p:spPr>
+          <a:xfrm>
+            <a:off x="1103243" y="832257"/>
+            <a:ext cx="6380922" cy="4929809"/>
+          </a:xfrm>
+          <a:prstGeom prst="rect">
+            <a:avLst/>
+          </a:prstGeom>
+          <a:solidFill>
+            <a:schemeClr val="bg1">
+              <a:lumMod val="50000"/>
+            </a:schemeClr>
+          </a:solidFill>
+          <a:ln>
+            <a:solidFill>
+              <a:schemeClr val="accent5">
+                <a:lumMod val="40000"/>
+                <a:lumOff val="60000"/>
+              </a:schemeClr>
+            </a:solidFill>
+          </a:ln>
+        </p:spPr>
+        <p:style>
+          <a:lnRef idx="2">
+            <a:schemeClr val="accent1">
+              <a:shade val="15000"/>
+            </a:schemeClr>
+          </a:lnRef>
+          <a:fillRef idx="1">
+            <a:schemeClr val="accent1"/>
+          </a:fillRef>
+          <a:effectRef idx="0">
+            <a:schemeClr val="accent1"/>
+          </a:effectRef>
+          <a:fontRef idx="minor">
+            <a:schemeClr val="lt1"/>
+          </a:fontRef>
+        </p:style>
+        <p:txBody>
+          <a:bodyPr rtlCol="0" anchor="ctr"/>
+          <a:lstStyle/>
+          <a:p>
+            <a:pPr algn="ctr"/>
+            <a:endParaRPr lang="en-US"/>
+          </a:p>
+        </p:txBody>
+      </p:sp>
+    </p:spTree>
+    <p:extLst>
+      <p:ext uri="{BB962C8B-B14F-4D97-AF65-F5344CB8AC3E}">
+        <p14:creationId xmlns:p14="http://schemas.microsoft.com/office/powerpoint/2010/main" val="3597799387"/>
+      </p:ext>
+    </p:extLst>
+  </p:cSld>
+  <p:clrMapOvr>
+    <a:masterClrMapping/>
+  </p:clrMapOvr>
+</p:sld>
+</file>
+
 <file path=ppt/theme/theme1.xml><?xml version="1.0" encoding="utf-8"?>
 <a:theme xmlns:a="http://schemas.openxmlformats.org/drawingml/2006/main" name="Office 2013 - 2022 Theme">
   <a:themeElements>
